--- a/6044_FramPat/D2D/W02/Classes in CPP, part 1, CRC.pptx
+++ b/6044_FramPat/D2D/W02/Classes in CPP, part 1, CRC.pptx
@@ -11,6 +11,9 @@
     <p:sldId id="260" r:id="rId5"/>
     <p:sldId id="261" r:id="rId6"/>
     <p:sldId id="262" r:id="rId7"/>
+    <p:sldId id="263" r:id="rId8"/>
+    <p:sldId id="264" r:id="rId9"/>
+    <p:sldId id="265" r:id="rId10"/>
   </p:sldIdLst>
   <p:sldSz cx="12192000" cy="6858000"/>
   <p:notesSz cx="6858000" cy="9144000"/>
@@ -109,6 +112,11 @@
       </a:defRPr>
     </a:lvl9pPr>
   </p:defaultTextStyle>
+  <p:extLst>
+    <p:ext uri="{EFAFB233-063F-42B5-8137-9DF3F51BA10A}">
+      <p15:sldGuideLst xmlns:p15="http://schemas.microsoft.com/office/powerpoint/2012/main"/>
+    </p:ext>
+  </p:extLst>
 </p:presentation>
 </file>
 
@@ -261,7 +269,7 @@
           <a:p>
             <a:fld id="{6C71860C-01FE-4F98-8734-54F4F59C8235}" type="datetimeFigureOut">
               <a:rPr lang="en-CA" smtClean="0"/>
-              <a:t>2023-09-21</a:t>
+              <a:t>2023-09-28</a:t>
             </a:fld>
             <a:endParaRPr lang="en-CA"/>
           </a:p>
@@ -461,7 +469,7 @@
           <a:p>
             <a:fld id="{6C71860C-01FE-4F98-8734-54F4F59C8235}" type="datetimeFigureOut">
               <a:rPr lang="en-CA" smtClean="0"/>
-              <a:t>2023-09-21</a:t>
+              <a:t>2023-09-28</a:t>
             </a:fld>
             <a:endParaRPr lang="en-CA"/>
           </a:p>
@@ -671,7 +679,7 @@
           <a:p>
             <a:fld id="{6C71860C-01FE-4F98-8734-54F4F59C8235}" type="datetimeFigureOut">
               <a:rPr lang="en-CA" smtClean="0"/>
-              <a:t>2023-09-21</a:t>
+              <a:t>2023-09-28</a:t>
             </a:fld>
             <a:endParaRPr lang="en-CA"/>
           </a:p>
@@ -871,7 +879,7 @@
           <a:p>
             <a:fld id="{6C71860C-01FE-4F98-8734-54F4F59C8235}" type="datetimeFigureOut">
               <a:rPr lang="en-CA" smtClean="0"/>
-              <a:t>2023-09-21</a:t>
+              <a:t>2023-09-28</a:t>
             </a:fld>
             <a:endParaRPr lang="en-CA"/>
           </a:p>
@@ -1147,7 +1155,7 @@
           <a:p>
             <a:fld id="{6C71860C-01FE-4F98-8734-54F4F59C8235}" type="datetimeFigureOut">
               <a:rPr lang="en-CA" smtClean="0"/>
-              <a:t>2023-09-21</a:t>
+              <a:t>2023-09-28</a:t>
             </a:fld>
             <a:endParaRPr lang="en-CA"/>
           </a:p>
@@ -1415,7 +1423,7 @@
           <a:p>
             <a:fld id="{6C71860C-01FE-4F98-8734-54F4F59C8235}" type="datetimeFigureOut">
               <a:rPr lang="en-CA" smtClean="0"/>
-              <a:t>2023-09-21</a:t>
+              <a:t>2023-09-28</a:t>
             </a:fld>
             <a:endParaRPr lang="en-CA"/>
           </a:p>
@@ -1830,7 +1838,7 @@
           <a:p>
             <a:fld id="{6C71860C-01FE-4F98-8734-54F4F59C8235}" type="datetimeFigureOut">
               <a:rPr lang="en-CA" smtClean="0"/>
-              <a:t>2023-09-21</a:t>
+              <a:t>2023-09-28</a:t>
             </a:fld>
             <a:endParaRPr lang="en-CA"/>
           </a:p>
@@ -1972,7 +1980,7 @@
           <a:p>
             <a:fld id="{6C71860C-01FE-4F98-8734-54F4F59C8235}" type="datetimeFigureOut">
               <a:rPr lang="en-CA" smtClean="0"/>
-              <a:t>2023-09-21</a:t>
+              <a:t>2023-09-28</a:t>
             </a:fld>
             <a:endParaRPr lang="en-CA"/>
           </a:p>
@@ -2085,7 +2093,7 @@
           <a:p>
             <a:fld id="{6C71860C-01FE-4F98-8734-54F4F59C8235}" type="datetimeFigureOut">
               <a:rPr lang="en-CA" smtClean="0"/>
-              <a:t>2023-09-21</a:t>
+              <a:t>2023-09-28</a:t>
             </a:fld>
             <a:endParaRPr lang="en-CA"/>
           </a:p>
@@ -2398,7 +2406,7 @@
           <a:p>
             <a:fld id="{6C71860C-01FE-4F98-8734-54F4F59C8235}" type="datetimeFigureOut">
               <a:rPr lang="en-CA" smtClean="0"/>
-              <a:t>2023-09-21</a:t>
+              <a:t>2023-09-28</a:t>
             </a:fld>
             <a:endParaRPr lang="en-CA"/>
           </a:p>
@@ -2687,7 +2695,7 @@
           <a:p>
             <a:fld id="{6C71860C-01FE-4F98-8734-54F4F59C8235}" type="datetimeFigureOut">
               <a:rPr lang="en-CA" smtClean="0"/>
-              <a:t>2023-09-21</a:t>
+              <a:t>2023-09-28</a:t>
             </a:fld>
             <a:endParaRPr lang="en-CA"/>
           </a:p>
@@ -2930,7 +2938,7 @@
           <a:p>
             <a:fld id="{6C71860C-01FE-4F98-8734-54F4F59C8235}" type="datetimeFigureOut">
               <a:rPr lang="en-CA" smtClean="0"/>
-              <a:t>2023-09-21</a:t>
+              <a:t>2023-09-28</a:t>
             </a:fld>
             <a:endParaRPr lang="en-CA"/>
           </a:p>
@@ -4546,6 +4554,449 @@
 </p:sld>
 </file>
 
+<file path=ppt/slides/slide7.xml><?xml version="1.0" encoding="utf-8"?>
+<p:sld xmlns:a="http://schemas.openxmlformats.org/drawingml/2006/main" xmlns:r="http://schemas.openxmlformats.org/officeDocument/2006/relationships" xmlns:p="http://schemas.openxmlformats.org/presentationml/2006/main">
+  <p:cSld>
+    <p:spTree>
+      <p:nvGrpSpPr>
+        <p:cNvPr id="1" name=""/>
+        <p:cNvGrpSpPr/>
+        <p:nvPr/>
+      </p:nvGrpSpPr>
+      <p:grpSpPr>
+        <a:xfrm>
+          <a:off x="0" y="0"/>
+          <a:ext cx="0" cy="0"/>
+          <a:chOff x="0" y="0"/>
+          <a:chExt cx="0" cy="0"/>
+        </a:xfrm>
+      </p:grpSpPr>
+      <p:sp>
+        <p:nvSpPr>
+          <p:cNvPr id="2" name="Title 1">
+            <a:extLst>
+              <a:ext uri="{FF2B5EF4-FFF2-40B4-BE49-F238E27FC236}">
+                <a16:creationId xmlns:a16="http://schemas.microsoft.com/office/drawing/2014/main" id="{4EF1F834-1374-891E-A644-596BA61A5BA6}"/>
+              </a:ext>
+            </a:extLst>
+          </p:cNvPr>
+          <p:cNvSpPr>
+            <a:spLocks noGrp="1"/>
+          </p:cNvSpPr>
+          <p:nvPr>
+            <p:ph type="title"/>
+          </p:nvPr>
+        </p:nvSpPr>
+        <p:spPr/>
+        <p:txBody>
+          <a:bodyPr/>
+          <a:lstStyle/>
+          <a:p>
+            <a:r>
+              <a:rPr lang="en-CA" dirty="0"/>
+              <a:t>C++ inheritance</a:t>
+            </a:r>
+          </a:p>
+        </p:txBody>
+      </p:sp>
+      <p:sp>
+        <p:nvSpPr>
+          <p:cNvPr id="3" name="Content Placeholder 2">
+            <a:extLst>
+              <a:ext uri="{FF2B5EF4-FFF2-40B4-BE49-F238E27FC236}">
+                <a16:creationId xmlns:a16="http://schemas.microsoft.com/office/drawing/2014/main" id="{4285F69C-D846-111D-EF5A-4DE88B5F6AC7}"/>
+              </a:ext>
+            </a:extLst>
+          </p:cNvPr>
+          <p:cNvSpPr>
+            <a:spLocks noGrp="1"/>
+          </p:cNvSpPr>
+          <p:nvPr>
+            <p:ph idx="1"/>
+          </p:nvPr>
+        </p:nvSpPr>
+        <p:spPr/>
+        <p:txBody>
+          <a:bodyPr/>
+          <a:lstStyle/>
+          <a:p>
+            <a:r>
+              <a:rPr lang="en-CA" dirty="0"/>
+              <a:t>class is default “private” (unlike struct which is default public)</a:t>
+            </a:r>
+          </a:p>
+          <a:p>
+            <a:r>
+              <a:rPr lang="en-CA" dirty="0"/>
+              <a:t>“public” means it’s exposed externally:</a:t>
+            </a:r>
+          </a:p>
+          <a:p>
+            <a:pPr lvl="1"/>
+            <a:r>
+              <a:rPr lang="en-CA" dirty="0"/>
+              <a:t>Methods can be called</a:t>
+            </a:r>
+          </a:p>
+          <a:p>
+            <a:pPr lvl="1"/>
+            <a:r>
+              <a:rPr lang="en-CA" dirty="0"/>
+              <a:t>Variables are exposed for read &amp; write</a:t>
+            </a:r>
+          </a:p>
+          <a:p>
+            <a:r>
+              <a:rPr lang="en-CA" dirty="0"/>
+              <a:t>“private” means it’s completely hidden outside the class</a:t>
+            </a:r>
+          </a:p>
+          <a:p>
+            <a:pPr lvl="1"/>
+            <a:r>
+              <a:rPr lang="en-CA" dirty="0"/>
+              <a:t>Note that these items are still “seen” by the rest of the code, in that any change to the header file will force a rebuild.</a:t>
+            </a:r>
+          </a:p>
+          <a:p>
+            <a:pPr lvl="1"/>
+            <a:r>
+              <a:rPr lang="en-CA" dirty="0"/>
+              <a:t>You can also just see the code in the header. </a:t>
+            </a:r>
+          </a:p>
+        </p:txBody>
+      </p:sp>
+    </p:spTree>
+    <p:extLst>
+      <p:ext uri="{BB962C8B-B14F-4D97-AF65-F5344CB8AC3E}">
+        <p14:creationId xmlns:p14="http://schemas.microsoft.com/office/powerpoint/2010/main" val="3311951517"/>
+      </p:ext>
+    </p:extLst>
+  </p:cSld>
+  <p:clrMapOvr>
+    <a:masterClrMapping/>
+  </p:clrMapOvr>
+</p:sld>
+</file>
+
+<file path=ppt/slides/slide8.xml><?xml version="1.0" encoding="utf-8"?>
+<p:sld xmlns:a="http://schemas.openxmlformats.org/drawingml/2006/main" xmlns:r="http://schemas.openxmlformats.org/officeDocument/2006/relationships" xmlns:p="http://schemas.openxmlformats.org/presentationml/2006/main">
+  <p:cSld>
+    <p:spTree>
+      <p:nvGrpSpPr>
+        <p:cNvPr id="1" name=""/>
+        <p:cNvGrpSpPr/>
+        <p:nvPr/>
+      </p:nvGrpSpPr>
+      <p:grpSpPr>
+        <a:xfrm>
+          <a:off x="0" y="0"/>
+          <a:ext cx="0" cy="0"/>
+          <a:chOff x="0" y="0"/>
+          <a:chExt cx="0" cy="0"/>
+        </a:xfrm>
+      </p:grpSpPr>
+      <p:sp>
+        <p:nvSpPr>
+          <p:cNvPr id="2" name="Title 1">
+            <a:extLst>
+              <a:ext uri="{FF2B5EF4-FFF2-40B4-BE49-F238E27FC236}">
+                <a16:creationId xmlns:a16="http://schemas.microsoft.com/office/drawing/2014/main" id="{4EF1F834-1374-891E-A644-596BA61A5BA6}"/>
+              </a:ext>
+            </a:extLst>
+          </p:cNvPr>
+          <p:cNvSpPr>
+            <a:spLocks noGrp="1"/>
+          </p:cNvSpPr>
+          <p:nvPr>
+            <p:ph type="title"/>
+          </p:nvPr>
+        </p:nvSpPr>
+        <p:spPr/>
+        <p:txBody>
+          <a:bodyPr/>
+          <a:lstStyle/>
+          <a:p>
+            <a:r>
+              <a:rPr lang="en-CA" dirty="0"/>
+              <a:t>C++ inheritance</a:t>
+            </a:r>
+          </a:p>
+        </p:txBody>
+      </p:sp>
+      <p:sp>
+        <p:nvSpPr>
+          <p:cNvPr id="3" name="Content Placeholder 2">
+            <a:extLst>
+              <a:ext uri="{FF2B5EF4-FFF2-40B4-BE49-F238E27FC236}">
+                <a16:creationId xmlns:a16="http://schemas.microsoft.com/office/drawing/2014/main" id="{4285F69C-D846-111D-EF5A-4DE88B5F6AC7}"/>
+              </a:ext>
+            </a:extLst>
+          </p:cNvPr>
+          <p:cNvSpPr>
+            <a:spLocks noGrp="1"/>
+          </p:cNvSpPr>
+          <p:nvPr>
+            <p:ph idx="1"/>
+          </p:nvPr>
+        </p:nvSpPr>
+        <p:spPr/>
+        <p:txBody>
+          <a:bodyPr/>
+          <a:lstStyle/>
+          <a:p>
+            <a:r>
+              <a:rPr lang="en-CA" dirty="0"/>
+              <a:t>There is also “protected” which is only used when one class “inherits” from another. Anything “protected” (methods or variables) are visible “parent” or “derived” class as a “private” variable. </a:t>
+            </a:r>
+          </a:p>
+          <a:p>
+            <a:r>
+              <a:rPr lang="en-CA" dirty="0"/>
+              <a:t>Any classes “further down” the inheritance chain also have these. </a:t>
+            </a:r>
+          </a:p>
+          <a:p>
+            <a:r>
+              <a:rPr lang="en-CA" dirty="0"/>
+              <a:t>This is because derived classes </a:t>
+            </a:r>
+            <a:r>
+              <a:rPr lang="en-CA" i="1" dirty="0"/>
+              <a:t>literally </a:t>
+            </a:r>
+            <a:r>
+              <a:rPr lang="en-CA" dirty="0"/>
+              <a:t>have the base classes</a:t>
+            </a:r>
+          </a:p>
+          <a:p>
+            <a:pPr lvl="1"/>
+            <a:r>
+              <a:rPr lang="en-CA" dirty="0"/>
+              <a:t>i.e. they aren’t copied or something like that, it means that if you create a parent/derived class, then the base class is also created.</a:t>
+            </a:r>
+          </a:p>
+          <a:p>
+            <a:pPr lvl="1"/>
+            <a:r>
+              <a:rPr lang="en-CA" dirty="0"/>
+              <a:t> </a:t>
+            </a:r>
+          </a:p>
+        </p:txBody>
+      </p:sp>
+    </p:spTree>
+    <p:extLst>
+      <p:ext uri="{BB962C8B-B14F-4D97-AF65-F5344CB8AC3E}">
+        <p14:creationId xmlns:p14="http://schemas.microsoft.com/office/powerpoint/2010/main" val="717100253"/>
+      </p:ext>
+    </p:extLst>
+  </p:cSld>
+  <p:clrMapOvr>
+    <a:masterClrMapping/>
+  </p:clrMapOvr>
+</p:sld>
+</file>
+
+<file path=ppt/slides/slide9.xml><?xml version="1.0" encoding="utf-8"?>
+<p:sld xmlns:a="http://schemas.openxmlformats.org/drawingml/2006/main" xmlns:r="http://schemas.openxmlformats.org/officeDocument/2006/relationships" xmlns:p="http://schemas.openxmlformats.org/presentationml/2006/main">
+  <p:cSld>
+    <p:spTree>
+      <p:nvGrpSpPr>
+        <p:cNvPr id="1" name=""/>
+        <p:cNvGrpSpPr/>
+        <p:nvPr/>
+      </p:nvGrpSpPr>
+      <p:grpSpPr>
+        <a:xfrm>
+          <a:off x="0" y="0"/>
+          <a:ext cx="0" cy="0"/>
+          <a:chOff x="0" y="0"/>
+          <a:chExt cx="0" cy="0"/>
+        </a:xfrm>
+      </p:grpSpPr>
+      <p:sp>
+        <p:nvSpPr>
+          <p:cNvPr id="2" name="Title 1">
+            <a:extLst>
+              <a:ext uri="{FF2B5EF4-FFF2-40B4-BE49-F238E27FC236}">
+                <a16:creationId xmlns:a16="http://schemas.microsoft.com/office/drawing/2014/main" id="{4EF1F834-1374-891E-A644-596BA61A5BA6}"/>
+              </a:ext>
+            </a:extLst>
+          </p:cNvPr>
+          <p:cNvSpPr>
+            <a:spLocks noGrp="1"/>
+          </p:cNvSpPr>
+          <p:nvPr>
+            <p:ph type="title"/>
+          </p:nvPr>
+        </p:nvSpPr>
+        <p:spPr/>
+        <p:txBody>
+          <a:bodyPr/>
+          <a:lstStyle/>
+          <a:p>
+            <a:r>
+              <a:rPr lang="en-CA" dirty="0"/>
+              <a:t>C++ inheritance is indented for code re-use</a:t>
+            </a:r>
+          </a:p>
+        </p:txBody>
+      </p:sp>
+      <p:sp>
+        <p:nvSpPr>
+          <p:cNvPr id="3" name="Content Placeholder 2">
+            <a:extLst>
+              <a:ext uri="{FF2B5EF4-FFF2-40B4-BE49-F238E27FC236}">
+                <a16:creationId xmlns:a16="http://schemas.microsoft.com/office/drawing/2014/main" id="{4285F69C-D846-111D-EF5A-4DE88B5F6AC7}"/>
+              </a:ext>
+            </a:extLst>
+          </p:cNvPr>
+          <p:cNvSpPr>
+            <a:spLocks noGrp="1"/>
+          </p:cNvSpPr>
+          <p:nvPr>
+            <p:ph idx="1"/>
+          </p:nvPr>
+        </p:nvSpPr>
+        <p:spPr/>
+        <p:txBody>
+          <a:bodyPr>
+            <a:normAutofit lnSpcReduction="10000"/>
+          </a:bodyPr>
+          <a:lstStyle/>
+          <a:p>
+            <a:r>
+              <a:rPr lang="en-CA" dirty="0"/>
+              <a:t>You inherit from a class so you don’t have to duplicate code</a:t>
+            </a:r>
+          </a:p>
+          <a:p>
+            <a:r>
+              <a:rPr lang="en-CA" dirty="0"/>
+              <a:t>This avoids making mistakes when there’s an update. </a:t>
+            </a:r>
+          </a:p>
+          <a:p>
+            <a:r>
+              <a:rPr lang="en-CA" dirty="0"/>
+              <a:t>ONLY use inheritance when the parent/derived class “is a” type of the base class, NOT that it has some capability. </a:t>
+            </a:r>
+          </a:p>
+          <a:p>
+            <a:r>
+              <a:rPr lang="en-CA" dirty="0" err="1"/>
+              <a:t>cDog</a:t>
+            </a:r>
+            <a:r>
+              <a:rPr lang="en-CA" dirty="0"/>
+              <a:t> that has a base class of </a:t>
+            </a:r>
+            <a:r>
+              <a:rPr lang="en-CA" dirty="0" err="1"/>
+              <a:t>cAnimal</a:t>
+            </a:r>
+            <a:r>
+              <a:rPr lang="en-CA" dirty="0"/>
+              <a:t> == GOOD</a:t>
+            </a:r>
+          </a:p>
+          <a:p>
+            <a:pPr lvl="1"/>
+            <a:r>
+              <a:rPr lang="en-CA" dirty="0"/>
+              <a:t>A “</a:t>
+            </a:r>
+            <a:r>
+              <a:rPr lang="en-CA" dirty="0" err="1"/>
+              <a:t>cDog</a:t>
+            </a:r>
+            <a:r>
+              <a:rPr lang="en-CA" dirty="0"/>
+              <a:t>” *IS AN* “</a:t>
+            </a:r>
+            <a:r>
+              <a:rPr lang="en-CA" dirty="0" err="1"/>
+              <a:t>cAnimal</a:t>
+            </a:r>
+            <a:r>
+              <a:rPr lang="en-CA" dirty="0"/>
+              <a:t>”</a:t>
+            </a:r>
+          </a:p>
+          <a:p>
+            <a:r>
+              <a:rPr lang="en-CA" dirty="0" err="1"/>
+              <a:t>cDog</a:t>
+            </a:r>
+            <a:r>
+              <a:rPr lang="en-CA" dirty="0"/>
+              <a:t> that has a base class of </a:t>
+            </a:r>
+            <a:r>
+              <a:rPr lang="en-CA" dirty="0" err="1"/>
+              <a:t>cBall</a:t>
+            </a:r>
+            <a:r>
+              <a:rPr lang="en-CA" dirty="0"/>
+              <a:t> == VERY BAD</a:t>
+            </a:r>
+          </a:p>
+          <a:p>
+            <a:pPr lvl="1"/>
+            <a:r>
+              <a:rPr lang="en-CA" dirty="0"/>
+              <a:t>A “</a:t>
+            </a:r>
+            <a:r>
+              <a:rPr lang="en-CA" dirty="0" err="1"/>
+              <a:t>cDog</a:t>
+            </a:r>
+            <a:r>
+              <a:rPr lang="en-CA" dirty="0"/>
+              <a:t>” *HAS A* or *USES A* “</a:t>
+            </a:r>
+            <a:r>
+              <a:rPr lang="en-CA" dirty="0" err="1"/>
+              <a:t>cBall</a:t>
+            </a:r>
+            <a:r>
+              <a:rPr lang="en-CA" dirty="0"/>
+              <a:t>”</a:t>
+            </a:r>
+          </a:p>
+          <a:p>
+            <a:pPr lvl="1"/>
+            <a:r>
+              <a:rPr lang="en-CA" dirty="0"/>
+              <a:t>This was very common with Java and older languages, but over time, it became clear </a:t>
+            </a:r>
+            <a:r>
+              <a:rPr lang="en-CA"/>
+              <a:t>that this is a </a:t>
+            </a:r>
+            <a:r>
+              <a:rPr lang="en-CA" dirty="0"/>
+              <a:t>really, really bad idea. </a:t>
+            </a:r>
+          </a:p>
+        </p:txBody>
+      </p:sp>
+    </p:spTree>
+    <p:extLst>
+      <p:ext uri="{BB962C8B-B14F-4D97-AF65-F5344CB8AC3E}">
+        <p14:creationId xmlns:p14="http://schemas.microsoft.com/office/powerpoint/2010/main" val="2915812947"/>
+      </p:ext>
+    </p:extLst>
+  </p:cSld>
+  <p:clrMapOvr>
+    <a:masterClrMapping/>
+  </p:clrMapOvr>
+</p:sld>
+</file>
+
 <file path=ppt/theme/theme1.xml><?xml version="1.0" encoding="utf-8"?>
 <a:theme xmlns:a="http://schemas.openxmlformats.org/drawingml/2006/main" name="Office Theme">
   <a:themeElements>

--- a/6044_FramPat/D2D/W02/Classes in CPP, part 1, CRC.pptx
+++ b/6044_FramPat/D2D/W02/Classes in CPP, part 1, CRC.pptx
@@ -14,6 +14,12 @@
     <p:sldId id="263" r:id="rId8"/>
     <p:sldId id="264" r:id="rId9"/>
     <p:sldId id="265" r:id="rId10"/>
+    <p:sldId id="266" r:id="rId11"/>
+    <p:sldId id="267" r:id="rId12"/>
+    <p:sldId id="268" r:id="rId13"/>
+    <p:sldId id="269" r:id="rId14"/>
+    <p:sldId id="270" r:id="rId15"/>
+    <p:sldId id="271" r:id="rId16"/>
   </p:sldIdLst>
   <p:sldSz cx="12192000" cy="6858000"/>
   <p:notesSz cx="6858000" cy="9144000"/>
@@ -3427,6 +3433,736 @@
 </p:sld>
 </file>
 
+<file path=ppt/slides/slide10.xml><?xml version="1.0" encoding="utf-8"?>
+<p:sld xmlns:a="http://schemas.openxmlformats.org/drawingml/2006/main" xmlns:r="http://schemas.openxmlformats.org/officeDocument/2006/relationships" xmlns:p="http://schemas.openxmlformats.org/presentationml/2006/main">
+  <p:cSld>
+    <p:spTree>
+      <p:nvGrpSpPr>
+        <p:cNvPr id="1" name=""/>
+        <p:cNvGrpSpPr/>
+        <p:nvPr/>
+      </p:nvGrpSpPr>
+      <p:grpSpPr>
+        <a:xfrm>
+          <a:off x="0" y="0"/>
+          <a:ext cx="0" cy="0"/>
+          <a:chOff x="0" y="0"/>
+          <a:chExt cx="0" cy="0"/>
+        </a:xfrm>
+      </p:grpSpPr>
+      <p:sp>
+        <p:nvSpPr>
+          <p:cNvPr id="2" name="Title 1">
+            <a:extLst>
+              <a:ext uri="{FF2B5EF4-FFF2-40B4-BE49-F238E27FC236}">
+                <a16:creationId xmlns:a16="http://schemas.microsoft.com/office/drawing/2014/main" id="{4EF1F834-1374-891E-A644-596BA61A5BA6}"/>
+              </a:ext>
+            </a:extLst>
+          </p:cNvPr>
+          <p:cNvSpPr>
+            <a:spLocks noGrp="1"/>
+          </p:cNvSpPr>
+          <p:nvPr>
+            <p:ph type="title"/>
+          </p:nvPr>
+        </p:nvSpPr>
+        <p:spPr/>
+        <p:txBody>
+          <a:bodyPr/>
+          <a:lstStyle/>
+          <a:p>
+            <a:r>
+              <a:rPr lang="en-CA" dirty="0"/>
+              <a:t>C++ inheritance – NON “virtual”</a:t>
+            </a:r>
+          </a:p>
+        </p:txBody>
+      </p:sp>
+      <p:sp>
+        <p:nvSpPr>
+          <p:cNvPr id="3" name="Content Placeholder 2">
+            <a:extLst>
+              <a:ext uri="{FF2B5EF4-FFF2-40B4-BE49-F238E27FC236}">
+                <a16:creationId xmlns:a16="http://schemas.microsoft.com/office/drawing/2014/main" id="{4285F69C-D846-111D-EF5A-4DE88B5F6AC7}"/>
+              </a:ext>
+            </a:extLst>
+          </p:cNvPr>
+          <p:cNvSpPr>
+            <a:spLocks noGrp="1"/>
+          </p:cNvSpPr>
+          <p:nvPr>
+            <p:ph idx="1"/>
+          </p:nvPr>
+        </p:nvSpPr>
+        <p:spPr/>
+        <p:txBody>
+          <a:bodyPr>
+            <a:normAutofit/>
+          </a:bodyPr>
+          <a:lstStyle/>
+          <a:p>
+            <a:r>
+              <a:rPr lang="en-CA" dirty="0"/>
+              <a:t>You just get the base class</a:t>
+            </a:r>
+          </a:p>
+          <a:p>
+            <a:r>
+              <a:rPr lang="en-CA" dirty="0"/>
+              <a:t>Unless you cast it as another thing, you can’t get at the other types. </a:t>
+            </a:r>
+          </a:p>
+          <a:p>
+            <a:r>
+              <a:rPr lang="en-CA" dirty="0"/>
+              <a:t>This is </a:t>
+            </a:r>
+            <a:r>
+              <a:rPr lang="en-CA" dirty="0" err="1"/>
+              <a:t>NON-polymorphic</a:t>
+            </a:r>
+            <a:endParaRPr lang="en-CA" dirty="0"/>
+          </a:p>
+        </p:txBody>
+      </p:sp>
+    </p:spTree>
+    <p:extLst>
+      <p:ext uri="{BB962C8B-B14F-4D97-AF65-F5344CB8AC3E}">
+        <p14:creationId xmlns:p14="http://schemas.microsoft.com/office/powerpoint/2010/main" val="3359691633"/>
+      </p:ext>
+    </p:extLst>
+  </p:cSld>
+  <p:clrMapOvr>
+    <a:masterClrMapping/>
+  </p:clrMapOvr>
+</p:sld>
+</file>
+
+<file path=ppt/slides/slide11.xml><?xml version="1.0" encoding="utf-8"?>
+<p:sld xmlns:a="http://schemas.openxmlformats.org/drawingml/2006/main" xmlns:r="http://schemas.openxmlformats.org/officeDocument/2006/relationships" xmlns:p="http://schemas.openxmlformats.org/presentationml/2006/main">
+  <p:cSld>
+    <p:spTree>
+      <p:nvGrpSpPr>
+        <p:cNvPr id="1" name=""/>
+        <p:cNvGrpSpPr/>
+        <p:nvPr/>
+      </p:nvGrpSpPr>
+      <p:grpSpPr>
+        <a:xfrm>
+          <a:off x="0" y="0"/>
+          <a:ext cx="0" cy="0"/>
+          <a:chOff x="0" y="0"/>
+          <a:chExt cx="0" cy="0"/>
+        </a:xfrm>
+      </p:grpSpPr>
+      <p:sp>
+        <p:nvSpPr>
+          <p:cNvPr id="2" name="Title 1">
+            <a:extLst>
+              <a:ext uri="{FF2B5EF4-FFF2-40B4-BE49-F238E27FC236}">
+                <a16:creationId xmlns:a16="http://schemas.microsoft.com/office/drawing/2014/main" id="{4EF1F834-1374-891E-A644-596BA61A5BA6}"/>
+              </a:ext>
+            </a:extLst>
+          </p:cNvPr>
+          <p:cNvSpPr>
+            <a:spLocks noGrp="1"/>
+          </p:cNvSpPr>
+          <p:nvPr>
+            <p:ph type="title"/>
+          </p:nvPr>
+        </p:nvSpPr>
+        <p:spPr/>
+        <p:txBody>
+          <a:bodyPr/>
+          <a:lstStyle/>
+          <a:p>
+            <a:r>
+              <a:rPr lang="en-CA" dirty="0"/>
+              <a:t>C++ inheritance – “virtual”</a:t>
+            </a:r>
+          </a:p>
+        </p:txBody>
+      </p:sp>
+      <p:sp>
+        <p:nvSpPr>
+          <p:cNvPr id="3" name="Content Placeholder 2">
+            <a:extLst>
+              <a:ext uri="{FF2B5EF4-FFF2-40B4-BE49-F238E27FC236}">
+                <a16:creationId xmlns:a16="http://schemas.microsoft.com/office/drawing/2014/main" id="{4285F69C-D846-111D-EF5A-4DE88B5F6AC7}"/>
+              </a:ext>
+            </a:extLst>
+          </p:cNvPr>
+          <p:cNvSpPr>
+            <a:spLocks noGrp="1"/>
+          </p:cNvSpPr>
+          <p:nvPr>
+            <p:ph idx="1"/>
+          </p:nvPr>
+        </p:nvSpPr>
+        <p:spPr/>
+        <p:txBody>
+          <a:bodyPr>
+            <a:normAutofit/>
+          </a:bodyPr>
+          <a:lstStyle/>
+          <a:p>
+            <a:r>
+              <a:rPr lang="en-CA" dirty="0"/>
+              <a:t>“virtual” on methods:</a:t>
+            </a:r>
+          </a:p>
+          <a:p>
+            <a:pPr lvl="1"/>
+            <a:r>
+              <a:rPr lang="en-CA" dirty="0"/>
+              <a:t>Add a “v-table” which is a look up table for ALL the methods</a:t>
+            </a:r>
+          </a:p>
+          <a:p>
+            <a:pPr lvl="1"/>
+            <a:r>
+              <a:rPr lang="en-CA" dirty="0">
+                <a:highlight>
+                  <a:srgbClr val="FFFF00"/>
+                </a:highlight>
+              </a:rPr>
+              <a:t>AT RUN TIME</a:t>
+            </a:r>
+            <a:r>
+              <a:rPr lang="en-CA" dirty="0"/>
+              <a:t>, depending on the type, it will choose the appropriate method</a:t>
+            </a:r>
+          </a:p>
+          <a:p>
+            <a:r>
+              <a:rPr lang="en-CA" dirty="0"/>
+              <a:t>The “v-table” does take time and is now a potential cache miss issue</a:t>
+            </a:r>
+          </a:p>
+          <a:p>
+            <a:r>
+              <a:rPr lang="en-CA" dirty="0"/>
+              <a:t>Something to think about</a:t>
+            </a:r>
+          </a:p>
+        </p:txBody>
+      </p:sp>
+    </p:spTree>
+    <p:extLst>
+      <p:ext uri="{BB962C8B-B14F-4D97-AF65-F5344CB8AC3E}">
+        <p14:creationId xmlns:p14="http://schemas.microsoft.com/office/powerpoint/2010/main" val="193012716"/>
+      </p:ext>
+    </p:extLst>
+  </p:cSld>
+  <p:clrMapOvr>
+    <a:masterClrMapping/>
+  </p:clrMapOvr>
+</p:sld>
+</file>
+
+<file path=ppt/slides/slide12.xml><?xml version="1.0" encoding="utf-8"?>
+<p:sld xmlns:a="http://schemas.openxmlformats.org/drawingml/2006/main" xmlns:r="http://schemas.openxmlformats.org/officeDocument/2006/relationships" xmlns:p="http://schemas.openxmlformats.org/presentationml/2006/main">
+  <p:cSld>
+    <p:spTree>
+      <p:nvGrpSpPr>
+        <p:cNvPr id="1" name=""/>
+        <p:cNvGrpSpPr/>
+        <p:nvPr/>
+      </p:nvGrpSpPr>
+      <p:grpSpPr>
+        <a:xfrm>
+          <a:off x="0" y="0"/>
+          <a:ext cx="0" cy="0"/>
+          <a:chOff x="0" y="0"/>
+          <a:chExt cx="0" cy="0"/>
+        </a:xfrm>
+      </p:grpSpPr>
+      <p:sp>
+        <p:nvSpPr>
+          <p:cNvPr id="2" name="Title 1">
+            <a:extLst>
+              <a:ext uri="{FF2B5EF4-FFF2-40B4-BE49-F238E27FC236}">
+                <a16:creationId xmlns:a16="http://schemas.microsoft.com/office/drawing/2014/main" id="{4EF1F834-1374-891E-A644-596BA61A5BA6}"/>
+              </a:ext>
+            </a:extLst>
+          </p:cNvPr>
+          <p:cNvSpPr>
+            <a:spLocks noGrp="1"/>
+          </p:cNvSpPr>
+          <p:nvPr>
+            <p:ph type="title"/>
+          </p:nvPr>
+        </p:nvSpPr>
+        <p:spPr/>
+        <p:txBody>
+          <a:bodyPr/>
+          <a:lstStyle/>
+          <a:p>
+            <a:r>
+              <a:rPr lang="en-CA" dirty="0"/>
+              <a:t>Back in the old days…</a:t>
+            </a:r>
+          </a:p>
+        </p:txBody>
+      </p:sp>
+      <p:sp>
+        <p:nvSpPr>
+          <p:cNvPr id="3" name="Content Placeholder 2">
+            <a:extLst>
+              <a:ext uri="{FF2B5EF4-FFF2-40B4-BE49-F238E27FC236}">
+                <a16:creationId xmlns:a16="http://schemas.microsoft.com/office/drawing/2014/main" id="{4285F69C-D846-111D-EF5A-4DE88B5F6AC7}"/>
+              </a:ext>
+            </a:extLst>
+          </p:cNvPr>
+          <p:cNvSpPr>
+            <a:spLocks noGrp="1"/>
+          </p:cNvSpPr>
+          <p:nvPr>
+            <p:ph idx="1"/>
+          </p:nvPr>
+        </p:nvSpPr>
+        <p:spPr/>
+        <p:txBody>
+          <a:bodyPr>
+            <a:normAutofit lnSpcReduction="10000"/>
+          </a:bodyPr>
+          <a:lstStyle/>
+          <a:p>
+            <a:r>
+              <a:rPr lang="en-CA" dirty="0"/>
+              <a:t>The CPU was the bottle neck (the slowest component)</a:t>
+            </a:r>
+          </a:p>
+          <a:p>
+            <a:r>
+              <a:rPr lang="en-CA" dirty="0"/>
+              <a:t>&lt; 100 MHz clock speed</a:t>
+            </a:r>
+          </a:p>
+          <a:p>
+            <a:r>
+              <a:rPr lang="en-CA" dirty="0"/>
+              <a:t>Memory was faster than this</a:t>
+            </a:r>
+          </a:p>
+          <a:p>
+            <a:r>
+              <a:rPr lang="en-CA" dirty="0"/>
+              <a:t>Single core (as Beyonce says)</a:t>
+            </a:r>
+          </a:p>
+          <a:p>
+            <a:pPr marL="0" indent="0">
+              <a:buNone/>
+            </a:pPr>
+            <a:endParaRPr lang="en-CA" dirty="0"/>
+          </a:p>
+          <a:p>
+            <a:pPr marL="0" indent="0">
+              <a:buNone/>
+            </a:pPr>
+            <a:r>
+              <a:rPr lang="en-CA" dirty="0"/>
+              <a:t>NOW it is the complete reverse</a:t>
+            </a:r>
+          </a:p>
+          <a:p>
+            <a:r>
+              <a:rPr lang="en-CA" dirty="0"/>
+              <a:t>Memory is a serious bottleneck</a:t>
+            </a:r>
+          </a:p>
+          <a:p>
+            <a:r>
+              <a:rPr lang="en-CA" dirty="0"/>
+              <a:t>CPU is waiting forever (like 100s to 1000s of cycles) for memory if there is a cache miss</a:t>
+            </a:r>
+          </a:p>
+        </p:txBody>
+      </p:sp>
+    </p:spTree>
+    <p:extLst>
+      <p:ext uri="{BB962C8B-B14F-4D97-AF65-F5344CB8AC3E}">
+        <p14:creationId xmlns:p14="http://schemas.microsoft.com/office/powerpoint/2010/main" val="275083692"/>
+      </p:ext>
+    </p:extLst>
+  </p:cSld>
+  <p:clrMapOvr>
+    <a:masterClrMapping/>
+  </p:clrMapOvr>
+</p:sld>
+</file>
+
+<file path=ppt/slides/slide13.xml><?xml version="1.0" encoding="utf-8"?>
+<p:sld xmlns:a="http://schemas.openxmlformats.org/drawingml/2006/main" xmlns:r="http://schemas.openxmlformats.org/officeDocument/2006/relationships" xmlns:p="http://schemas.openxmlformats.org/presentationml/2006/main">
+  <p:cSld>
+    <p:spTree>
+      <p:nvGrpSpPr>
+        <p:cNvPr id="1" name=""/>
+        <p:cNvGrpSpPr/>
+        <p:nvPr/>
+      </p:nvGrpSpPr>
+      <p:grpSpPr>
+        <a:xfrm>
+          <a:off x="0" y="0"/>
+          <a:ext cx="0" cy="0"/>
+          <a:chOff x="0" y="0"/>
+          <a:chExt cx="0" cy="0"/>
+        </a:xfrm>
+      </p:grpSpPr>
+      <p:sp>
+        <p:nvSpPr>
+          <p:cNvPr id="2" name="Title 1">
+            <a:extLst>
+              <a:ext uri="{FF2B5EF4-FFF2-40B4-BE49-F238E27FC236}">
+                <a16:creationId xmlns:a16="http://schemas.microsoft.com/office/drawing/2014/main" id="{4EF1F834-1374-891E-A644-596BA61A5BA6}"/>
+              </a:ext>
+            </a:extLst>
+          </p:cNvPr>
+          <p:cNvSpPr>
+            <a:spLocks noGrp="1"/>
+          </p:cNvSpPr>
+          <p:nvPr>
+            <p:ph type="title"/>
+          </p:nvPr>
+        </p:nvSpPr>
+        <p:spPr/>
+        <p:txBody>
+          <a:bodyPr/>
+          <a:lstStyle/>
+          <a:p>
+            <a:r>
+              <a:rPr lang="en-CA" dirty="0"/>
+              <a:t>Michael’s handy tip #2637</a:t>
+            </a:r>
+          </a:p>
+        </p:txBody>
+      </p:sp>
+      <p:sp>
+        <p:nvSpPr>
+          <p:cNvPr id="3" name="Content Placeholder 2">
+            <a:extLst>
+              <a:ext uri="{FF2B5EF4-FFF2-40B4-BE49-F238E27FC236}">
+                <a16:creationId xmlns:a16="http://schemas.microsoft.com/office/drawing/2014/main" id="{4285F69C-D846-111D-EF5A-4DE88B5F6AC7}"/>
+              </a:ext>
+            </a:extLst>
+          </p:cNvPr>
+          <p:cNvSpPr>
+            <a:spLocks noGrp="1"/>
+          </p:cNvSpPr>
+          <p:nvPr>
+            <p:ph idx="1"/>
+          </p:nvPr>
+        </p:nvSpPr>
+        <p:spPr/>
+        <p:txBody>
+          <a:bodyPr>
+            <a:normAutofit/>
+          </a:bodyPr>
+          <a:lstStyle/>
+          <a:p>
+            <a:r>
+              <a:rPr lang="en-CA" dirty="0"/>
+              <a:t>You very likely DON’T want non-virtual methods with inheritance</a:t>
+            </a:r>
+          </a:p>
+          <a:p>
+            <a:r>
+              <a:rPr lang="en-CA" dirty="0"/>
+              <a:t>HOWEVER, you WILL come across them, so BEWARE</a:t>
+            </a:r>
+          </a:p>
+          <a:p>
+            <a:r>
+              <a:rPr lang="en-CA" dirty="0"/>
+              <a:t>Make all your methods virtual and you avoid this issue</a:t>
+            </a:r>
+          </a:p>
+          <a:p>
+            <a:endParaRPr lang="en-CA" dirty="0"/>
+          </a:p>
+          <a:p>
+            <a:r>
+              <a:rPr lang="en-CA" dirty="0"/>
+              <a:t>BUG: </a:t>
+            </a:r>
+          </a:p>
+          <a:p>
+            <a:pPr lvl="1"/>
+            <a:r>
+              <a:rPr lang="en-CA" dirty="0"/>
+              <a:t>If ANY methods are virtual, they you NEED a virtual destructor</a:t>
+            </a:r>
+          </a:p>
+          <a:p>
+            <a:pPr lvl="1"/>
+            <a:r>
+              <a:rPr lang="en-CA" dirty="0"/>
+              <a:t>(add “virtual” before the ~ destructor)</a:t>
+            </a:r>
+          </a:p>
+          <a:p>
+            <a:pPr lvl="1"/>
+            <a:r>
+              <a:rPr lang="en-CA" dirty="0"/>
+              <a:t>Or you get a memory leak</a:t>
+            </a:r>
+          </a:p>
+        </p:txBody>
+      </p:sp>
+    </p:spTree>
+    <p:extLst>
+      <p:ext uri="{BB962C8B-B14F-4D97-AF65-F5344CB8AC3E}">
+        <p14:creationId xmlns:p14="http://schemas.microsoft.com/office/powerpoint/2010/main" val="2578955616"/>
+      </p:ext>
+    </p:extLst>
+  </p:cSld>
+  <p:clrMapOvr>
+    <a:masterClrMapping/>
+  </p:clrMapOvr>
+</p:sld>
+</file>
+
+<file path=ppt/slides/slide14.xml><?xml version="1.0" encoding="utf-8"?>
+<p:sld xmlns:a="http://schemas.openxmlformats.org/drawingml/2006/main" xmlns:r="http://schemas.openxmlformats.org/officeDocument/2006/relationships" xmlns:p="http://schemas.openxmlformats.org/presentationml/2006/main">
+  <p:cSld>
+    <p:spTree>
+      <p:nvGrpSpPr>
+        <p:cNvPr id="1" name=""/>
+        <p:cNvGrpSpPr/>
+        <p:nvPr/>
+      </p:nvGrpSpPr>
+      <p:grpSpPr>
+        <a:xfrm>
+          <a:off x="0" y="0"/>
+          <a:ext cx="0" cy="0"/>
+          <a:chOff x="0" y="0"/>
+          <a:chExt cx="0" cy="0"/>
+        </a:xfrm>
+      </p:grpSpPr>
+      <p:sp>
+        <p:nvSpPr>
+          <p:cNvPr id="2" name="Title 1">
+            <a:extLst>
+              <a:ext uri="{FF2B5EF4-FFF2-40B4-BE49-F238E27FC236}">
+                <a16:creationId xmlns:a16="http://schemas.microsoft.com/office/drawing/2014/main" id="{4EF1F834-1374-891E-A644-596BA61A5BA6}"/>
+              </a:ext>
+            </a:extLst>
+          </p:cNvPr>
+          <p:cNvSpPr>
+            <a:spLocks noGrp="1"/>
+          </p:cNvSpPr>
+          <p:nvPr>
+            <p:ph type="title"/>
+          </p:nvPr>
+        </p:nvSpPr>
+        <p:spPr/>
+        <p:txBody>
+          <a:bodyPr/>
+          <a:lstStyle/>
+          <a:p>
+            <a:r>
+              <a:rPr lang="en-CA" dirty="0"/>
+              <a:t>Michael’s handy tip #2637</a:t>
+            </a:r>
+          </a:p>
+        </p:txBody>
+      </p:sp>
+      <p:sp>
+        <p:nvSpPr>
+          <p:cNvPr id="3" name="Content Placeholder 2">
+            <a:extLst>
+              <a:ext uri="{FF2B5EF4-FFF2-40B4-BE49-F238E27FC236}">
+                <a16:creationId xmlns:a16="http://schemas.microsoft.com/office/drawing/2014/main" id="{4285F69C-D846-111D-EF5A-4DE88B5F6AC7}"/>
+              </a:ext>
+            </a:extLst>
+          </p:cNvPr>
+          <p:cNvSpPr>
+            <a:spLocks noGrp="1"/>
+          </p:cNvSpPr>
+          <p:nvPr>
+            <p:ph idx="1"/>
+          </p:nvPr>
+        </p:nvSpPr>
+        <p:spPr/>
+        <p:txBody>
+          <a:bodyPr>
+            <a:normAutofit/>
+          </a:bodyPr>
+          <a:lstStyle/>
+          <a:p>
+            <a:r>
+              <a:rPr lang="en-CA" dirty="0"/>
+              <a:t>You very likely DON’T want non-virtual methods with inheritance</a:t>
+            </a:r>
+          </a:p>
+          <a:p>
+            <a:r>
+              <a:rPr lang="en-CA" dirty="0"/>
+              <a:t>HOWEVER, you WILL come across them, so BEWARE</a:t>
+            </a:r>
+          </a:p>
+          <a:p>
+            <a:r>
+              <a:rPr lang="en-CA" dirty="0"/>
+              <a:t>Make all your methods virtual and you avoid this issue</a:t>
+            </a:r>
+          </a:p>
+          <a:p>
+            <a:endParaRPr lang="en-CA" dirty="0"/>
+          </a:p>
+          <a:p>
+            <a:r>
+              <a:rPr lang="en-CA" dirty="0"/>
+              <a:t>BUG: </a:t>
+            </a:r>
+          </a:p>
+          <a:p>
+            <a:pPr lvl="1"/>
+            <a:r>
+              <a:rPr lang="en-CA" dirty="0"/>
+              <a:t>If ANY methods are virtual, they you NEED a virtual destructor</a:t>
+            </a:r>
+          </a:p>
+          <a:p>
+            <a:pPr lvl="1"/>
+            <a:r>
+              <a:rPr lang="en-CA" dirty="0"/>
+              <a:t>(add “virtual” before the ~ destructor)</a:t>
+            </a:r>
+          </a:p>
+          <a:p>
+            <a:pPr lvl="1"/>
+            <a:r>
+              <a:rPr lang="en-CA" dirty="0"/>
+              <a:t>Or you get a memory leak</a:t>
+            </a:r>
+          </a:p>
+        </p:txBody>
+      </p:sp>
+    </p:spTree>
+    <p:extLst>
+      <p:ext uri="{BB962C8B-B14F-4D97-AF65-F5344CB8AC3E}">
+        <p14:creationId xmlns:p14="http://schemas.microsoft.com/office/powerpoint/2010/main" val="12146140"/>
+      </p:ext>
+    </p:extLst>
+  </p:cSld>
+  <p:clrMapOvr>
+    <a:masterClrMapping/>
+  </p:clrMapOvr>
+</p:sld>
+</file>
+
+<file path=ppt/slides/slide15.xml><?xml version="1.0" encoding="utf-8"?>
+<p:sld xmlns:a="http://schemas.openxmlformats.org/drawingml/2006/main" xmlns:r="http://schemas.openxmlformats.org/officeDocument/2006/relationships" xmlns:p="http://schemas.openxmlformats.org/presentationml/2006/main">
+  <p:cSld>
+    <p:spTree>
+      <p:nvGrpSpPr>
+        <p:cNvPr id="1" name=""/>
+        <p:cNvGrpSpPr/>
+        <p:nvPr/>
+      </p:nvGrpSpPr>
+      <p:grpSpPr>
+        <a:xfrm>
+          <a:off x="0" y="0"/>
+          <a:ext cx="0" cy="0"/>
+          <a:chOff x="0" y="0"/>
+          <a:chExt cx="0" cy="0"/>
+        </a:xfrm>
+      </p:grpSpPr>
+      <p:sp>
+        <p:nvSpPr>
+          <p:cNvPr id="2" name="Title 1">
+            <a:extLst>
+              <a:ext uri="{FF2B5EF4-FFF2-40B4-BE49-F238E27FC236}">
+                <a16:creationId xmlns:a16="http://schemas.microsoft.com/office/drawing/2014/main" id="{4EF1F834-1374-891E-A644-596BA61A5BA6}"/>
+              </a:ext>
+            </a:extLst>
+          </p:cNvPr>
+          <p:cNvSpPr>
+            <a:spLocks noGrp="1"/>
+          </p:cNvSpPr>
+          <p:nvPr>
+            <p:ph type="title"/>
+          </p:nvPr>
+        </p:nvSpPr>
+        <p:spPr/>
+        <p:txBody>
+          <a:bodyPr/>
+          <a:lstStyle/>
+          <a:p>
+            <a:r>
+              <a:rPr lang="en-CA" dirty="0"/>
+              <a:t>Michael’s handy tip #2637</a:t>
+            </a:r>
+          </a:p>
+        </p:txBody>
+      </p:sp>
+      <p:sp>
+        <p:nvSpPr>
+          <p:cNvPr id="3" name="Content Placeholder 2">
+            <a:extLst>
+              <a:ext uri="{FF2B5EF4-FFF2-40B4-BE49-F238E27FC236}">
+                <a16:creationId xmlns:a16="http://schemas.microsoft.com/office/drawing/2014/main" id="{4285F69C-D846-111D-EF5A-4DE88B5F6AC7}"/>
+              </a:ext>
+            </a:extLst>
+          </p:cNvPr>
+          <p:cNvSpPr>
+            <a:spLocks noGrp="1"/>
+          </p:cNvSpPr>
+          <p:nvPr>
+            <p:ph idx="1"/>
+          </p:nvPr>
+        </p:nvSpPr>
+        <p:spPr/>
+        <p:txBody>
+          <a:bodyPr>
+            <a:normAutofit/>
+          </a:bodyPr>
+          <a:lstStyle/>
+          <a:p>
+            <a:r>
+              <a:rPr lang="en-CA" dirty="0"/>
+              <a:t>Base class</a:t>
+            </a:r>
+          </a:p>
+          <a:p>
+            <a:r>
+              <a:rPr lang="en-CA" dirty="0"/>
+              <a:t>Derived class </a:t>
+            </a:r>
+            <a:r>
+              <a:rPr lang="en-CA" dirty="0">
+                <a:sym typeface="Wingdings" panose="05000000000000000000" pitchFamily="2" charset="2"/>
+              </a:rPr>
+              <a:t> Parent class (the thing that inherits)</a:t>
+            </a:r>
+            <a:endParaRPr lang="en-CA" dirty="0"/>
+          </a:p>
+          <a:p>
+            <a:endParaRPr lang="en-CA" dirty="0"/>
+          </a:p>
+          <a:p>
+            <a:r>
+              <a:rPr lang="en-CA" dirty="0"/>
+              <a:t>Java, “parent” is the Super Class</a:t>
+            </a:r>
+          </a:p>
+        </p:txBody>
+      </p:sp>
+    </p:spTree>
+    <p:extLst>
+      <p:ext uri="{BB962C8B-B14F-4D97-AF65-F5344CB8AC3E}">
+        <p14:creationId xmlns:p14="http://schemas.microsoft.com/office/powerpoint/2010/main" val="967364444"/>
+      </p:ext>
+    </p:extLst>
+  </p:cSld>
+  <p:clrMapOvr>
+    <a:masterClrMapping/>
+  </p:clrMapOvr>
+</p:sld>
+</file>
+
 <file path=ppt/slides/slide2.xml><?xml version="1.0" encoding="utf-8"?>
 <p:sld xmlns:a="http://schemas.openxmlformats.org/drawingml/2006/main" xmlns:r="http://schemas.openxmlformats.org/officeDocument/2006/relationships" xmlns:p="http://schemas.openxmlformats.org/presentationml/2006/main">
   <p:cSld>
@@ -4971,15 +5707,7 @@
             <a:pPr lvl="1"/>
             <a:r>
               <a:rPr lang="en-CA" dirty="0"/>
-              <a:t>This was very common with Java and older languages, but over time, it became clear </a:t>
-            </a:r>
-            <a:r>
-              <a:rPr lang="en-CA"/>
-              <a:t>that this is a </a:t>
-            </a:r>
-            <a:r>
-              <a:rPr lang="en-CA" dirty="0"/>
-              <a:t>really, really bad idea. </a:t>
+              <a:t>This was very common with Java and older languages, but over time, it became clear that this is a really, really bad idea. </a:t>
             </a:r>
           </a:p>
         </p:txBody>
